--- a/bayesopt_figure/Figure_Mockups.pptx
+++ b/bayesopt_figure/Figure_Mockups.pptx
@@ -260,7 +260,7 @@
           <a:p>
             <a:fld id="{879E8592-F7CC-2A4A-A3F6-E14D5370C9CB}" type="datetimeFigureOut">
               <a:rPr lang="en-US" smtClean="0"/>
-              <a:t>5/26/22</a:t>
+              <a:t>6/13/22</a:t>
             </a:fld>
             <a:endParaRPr lang="en-US"/>
           </a:p>
@@ -458,7 +458,7 @@
           <a:p>
             <a:fld id="{879E8592-F7CC-2A4A-A3F6-E14D5370C9CB}" type="datetimeFigureOut">
               <a:rPr lang="en-US" smtClean="0"/>
-              <a:t>5/26/22</a:t>
+              <a:t>6/13/22</a:t>
             </a:fld>
             <a:endParaRPr lang="en-US"/>
           </a:p>
@@ -666,7 +666,7 @@
           <a:p>
             <a:fld id="{879E8592-F7CC-2A4A-A3F6-E14D5370C9CB}" type="datetimeFigureOut">
               <a:rPr lang="en-US" smtClean="0"/>
-              <a:t>5/26/22</a:t>
+              <a:t>6/13/22</a:t>
             </a:fld>
             <a:endParaRPr lang="en-US"/>
           </a:p>
@@ -864,7 +864,7 @@
           <a:p>
             <a:fld id="{879E8592-F7CC-2A4A-A3F6-E14D5370C9CB}" type="datetimeFigureOut">
               <a:rPr lang="en-US" smtClean="0"/>
-              <a:t>5/26/22</a:t>
+              <a:t>6/13/22</a:t>
             </a:fld>
             <a:endParaRPr lang="en-US"/>
           </a:p>
@@ -1139,7 +1139,7 @@
           <a:p>
             <a:fld id="{879E8592-F7CC-2A4A-A3F6-E14D5370C9CB}" type="datetimeFigureOut">
               <a:rPr lang="en-US" smtClean="0"/>
-              <a:t>5/26/22</a:t>
+              <a:t>6/13/22</a:t>
             </a:fld>
             <a:endParaRPr lang="en-US"/>
           </a:p>
@@ -1404,7 +1404,7 @@
           <a:p>
             <a:fld id="{879E8592-F7CC-2A4A-A3F6-E14D5370C9CB}" type="datetimeFigureOut">
               <a:rPr lang="en-US" smtClean="0"/>
-              <a:t>5/26/22</a:t>
+              <a:t>6/13/22</a:t>
             </a:fld>
             <a:endParaRPr lang="en-US"/>
           </a:p>
@@ -1816,7 +1816,7 @@
           <a:p>
             <a:fld id="{879E8592-F7CC-2A4A-A3F6-E14D5370C9CB}" type="datetimeFigureOut">
               <a:rPr lang="en-US" smtClean="0"/>
-              <a:t>5/26/22</a:t>
+              <a:t>6/13/22</a:t>
             </a:fld>
             <a:endParaRPr lang="en-US"/>
           </a:p>
@@ -1957,7 +1957,7 @@
           <a:p>
             <a:fld id="{879E8592-F7CC-2A4A-A3F6-E14D5370C9CB}" type="datetimeFigureOut">
               <a:rPr lang="en-US" smtClean="0"/>
-              <a:t>5/26/22</a:t>
+              <a:t>6/13/22</a:t>
             </a:fld>
             <a:endParaRPr lang="en-US"/>
           </a:p>
@@ -2070,7 +2070,7 @@
           <a:p>
             <a:fld id="{879E8592-F7CC-2A4A-A3F6-E14D5370C9CB}" type="datetimeFigureOut">
               <a:rPr lang="en-US" smtClean="0"/>
-              <a:t>5/26/22</a:t>
+              <a:t>6/13/22</a:t>
             </a:fld>
             <a:endParaRPr lang="en-US"/>
           </a:p>
@@ -2381,7 +2381,7 @@
           <a:p>
             <a:fld id="{879E8592-F7CC-2A4A-A3F6-E14D5370C9CB}" type="datetimeFigureOut">
               <a:rPr lang="en-US" smtClean="0"/>
-              <a:t>5/26/22</a:t>
+              <a:t>6/13/22</a:t>
             </a:fld>
             <a:endParaRPr lang="en-US"/>
           </a:p>
@@ -2669,7 +2669,7 @@
           <a:p>
             <a:fld id="{879E8592-F7CC-2A4A-A3F6-E14D5370C9CB}" type="datetimeFigureOut">
               <a:rPr lang="en-US" smtClean="0"/>
-              <a:t>5/26/22</a:t>
+              <a:t>6/13/22</a:t>
             </a:fld>
             <a:endParaRPr lang="en-US"/>
           </a:p>
@@ -2910,7 +2910,7 @@
           <a:p>
             <a:fld id="{879E8592-F7CC-2A4A-A3F6-E14D5370C9CB}" type="datetimeFigureOut">
               <a:rPr lang="en-US" smtClean="0"/>
-              <a:t>5/26/22</a:t>
+              <a:t>6/13/22</a:t>
             </a:fld>
             <a:endParaRPr lang="en-US"/>
           </a:p>
@@ -3460,7 +3460,7 @@
                     <a:schemeClr val="tx1"/>
                   </a:solidFill>
                 </a:rPr>
-                <a:t>Update knowledge about function</a:t>
+                <a:t>Update knowledge about landscape</a:t>
               </a:r>
             </a:p>
           </p:txBody>
@@ -3789,7 +3789,7 @@
         </p:nvSpPr>
         <p:spPr>
           <a:xfrm>
-            <a:off x="4103745" y="3710358"/>
+            <a:off x="4268804" y="3605690"/>
             <a:ext cx="2112951" cy="369332"/>
           </a:xfrm>
           <a:prstGeom prst="rect">
@@ -3824,7 +3824,7 @@
         </p:nvSpPr>
         <p:spPr>
           <a:xfrm>
-            <a:off x="6451545" y="3206136"/>
+            <a:off x="8199522" y="3436219"/>
             <a:ext cx="5104667" cy="646331"/>
           </a:xfrm>
           <a:prstGeom prst="rect">
@@ -3965,7 +3965,7 @@
         </p:nvSpPr>
         <p:spPr>
           <a:xfrm>
-            <a:off x="731520" y="914400"/>
+            <a:off x="211700" y="664309"/>
             <a:ext cx="1681935" cy="369332"/>
           </a:xfrm>
           <a:prstGeom prst="rect">
